--- a/i218 - Standing on the promises.pptx
+++ b/i218 - Standing on the promises.pptx
@@ -115,10 +115,6 @@
 </p:presentation>
 </file>
 
-<file path=ppt/revisionInfo.xml><?xml version="1.0" encoding="utf-8"?>
-<p1510:revInfo xmlns:a="http://schemas.openxmlformats.org/drawingml/2006/main" xmlns:r="http://schemas.openxmlformats.org/officeDocument/2006/relationships" xmlns:p1510="http://schemas.microsoft.com/office/powerpoint/2015/10/main"/>
-</file>
-
 <file path=ppt/slideLayouts/slideLayout1.xml><?xml version="1.0" encoding="utf-8"?>
 <p:sldLayout xmlns:a="http://schemas.openxmlformats.org/drawingml/2006/main" xmlns:r="http://schemas.openxmlformats.org/officeDocument/2006/relationships" xmlns:p="http://schemas.openxmlformats.org/presentationml/2006/main" type="title" preserve="1">
   <p:cSld name="Title Slide">
@@ -248,7 +244,7 @@
           <a:p>
             <a:fld id="{32F7251A-AE54-443C-B8FE-5F636E835EBF}" type="datetimeFigureOut">
               <a:rPr lang="en-US" smtClean="0"/>
-              <a:t>10/29/2017</a:t>
+              <a:t>6/10/2018</a:t>
             </a:fld>
             <a:endParaRPr lang="en-US"/>
           </a:p>
@@ -416,7 +412,7 @@
           <a:p>
             <a:fld id="{32F7251A-AE54-443C-B8FE-5F636E835EBF}" type="datetimeFigureOut">
               <a:rPr lang="en-US" smtClean="0"/>
-              <a:t>10/29/2017</a:t>
+              <a:t>6/10/2018</a:t>
             </a:fld>
             <a:endParaRPr lang="en-US"/>
           </a:p>
@@ -594,7 +590,7 @@
           <a:p>
             <a:fld id="{32F7251A-AE54-443C-B8FE-5F636E835EBF}" type="datetimeFigureOut">
               <a:rPr lang="en-US" smtClean="0"/>
-              <a:t>10/29/2017</a:t>
+              <a:t>6/10/2018</a:t>
             </a:fld>
             <a:endParaRPr lang="en-US"/>
           </a:p>
@@ -762,7 +758,7 @@
           <a:p>
             <a:fld id="{32F7251A-AE54-443C-B8FE-5F636E835EBF}" type="datetimeFigureOut">
               <a:rPr lang="en-US" smtClean="0"/>
-              <a:t>10/29/2017</a:t>
+              <a:t>6/10/2018</a:t>
             </a:fld>
             <a:endParaRPr lang="en-US"/>
           </a:p>
@@ -1007,7 +1003,7 @@
           <a:p>
             <a:fld id="{32F7251A-AE54-443C-B8FE-5F636E835EBF}" type="datetimeFigureOut">
               <a:rPr lang="en-US" smtClean="0"/>
-              <a:t>10/29/2017</a:t>
+              <a:t>6/10/2018</a:t>
             </a:fld>
             <a:endParaRPr lang="en-US"/>
           </a:p>
@@ -1236,7 +1232,7 @@
           <a:p>
             <a:fld id="{32F7251A-AE54-443C-B8FE-5F636E835EBF}" type="datetimeFigureOut">
               <a:rPr lang="en-US" smtClean="0"/>
-              <a:t>10/29/2017</a:t>
+              <a:t>6/10/2018</a:t>
             </a:fld>
             <a:endParaRPr lang="en-US"/>
           </a:p>
@@ -1600,7 +1596,7 @@
           <a:p>
             <a:fld id="{32F7251A-AE54-443C-B8FE-5F636E835EBF}" type="datetimeFigureOut">
               <a:rPr lang="en-US" smtClean="0"/>
-              <a:t>10/29/2017</a:t>
+              <a:t>6/10/2018</a:t>
             </a:fld>
             <a:endParaRPr lang="en-US"/>
           </a:p>
@@ -1717,7 +1713,7 @@
           <a:p>
             <a:fld id="{32F7251A-AE54-443C-B8FE-5F636E835EBF}" type="datetimeFigureOut">
               <a:rPr lang="en-US" smtClean="0"/>
-              <a:t>10/29/2017</a:t>
+              <a:t>6/10/2018</a:t>
             </a:fld>
             <a:endParaRPr lang="en-US"/>
           </a:p>
@@ -1812,7 +1808,7 @@
           <a:p>
             <a:fld id="{32F7251A-AE54-443C-B8FE-5F636E835EBF}" type="datetimeFigureOut">
               <a:rPr lang="en-US" smtClean="0"/>
-              <a:t>10/29/2017</a:t>
+              <a:t>6/10/2018</a:t>
             </a:fld>
             <a:endParaRPr lang="en-US"/>
           </a:p>
@@ -2087,7 +2083,7 @@
           <a:p>
             <a:fld id="{32F7251A-AE54-443C-B8FE-5F636E835EBF}" type="datetimeFigureOut">
               <a:rPr lang="en-US" smtClean="0"/>
-              <a:t>10/29/2017</a:t>
+              <a:t>6/10/2018</a:t>
             </a:fld>
             <a:endParaRPr lang="en-US"/>
           </a:p>
@@ -2339,7 +2335,7 @@
           <a:p>
             <a:fld id="{32F7251A-AE54-443C-B8FE-5F636E835EBF}" type="datetimeFigureOut">
               <a:rPr lang="en-US" smtClean="0"/>
-              <a:t>10/29/2017</a:t>
+              <a:t>6/10/2018</a:t>
             </a:fld>
             <a:endParaRPr lang="en-US"/>
           </a:p>
@@ -2553,7 +2549,7 @@
           <a:p>
             <a:fld id="{32F7251A-AE54-443C-B8FE-5F636E835EBF}" type="datetimeFigureOut">
               <a:rPr lang="en-US" smtClean="0"/>
-              <a:t>10/29/2017</a:t>
+              <a:t>6/10/2018</a:t>
             </a:fld>
             <a:endParaRPr lang="en-US"/>
           </a:p>
@@ -3044,7 +3040,7 @@
                   <a:schemeClr val="bg1"/>
                 </a:solidFill>
               </a:rPr>
-              <a:t>“Stand on the Promises”</a:t>
+              <a:t>“Standing on the Promises”</a:t>
             </a:r>
           </a:p>
         </p:txBody>
@@ -3295,7 +3291,7 @@
                   <a:schemeClr val="bg1"/>
                 </a:solidFill>
               </a:rPr>
-              <a:t>“Stand on the Promises”</a:t>
+              <a:t>“Standing on the Promises”</a:t>
             </a:r>
           </a:p>
         </p:txBody>
@@ -3546,7 +3542,7 @@
                   <a:schemeClr val="bg1"/>
                 </a:solidFill>
               </a:rPr>
-              <a:t>“Stand on the Promises”</a:t>
+              <a:t>“Standing on the Promises”</a:t>
             </a:r>
           </a:p>
         </p:txBody>
@@ -3792,13 +3788,18 @@
           <a:p>
             <a:pPr algn="ctr"/>
             <a:r>
-              <a:rPr lang="en-US" sz="4800" dirty="0">
+              <a:rPr lang="en-US" sz="4800">
                 <a:solidFill>
                   <a:schemeClr val="bg1"/>
                 </a:solidFill>
               </a:rPr>
-              <a:t>“Stand on the Promises”</a:t>
-            </a:r>
+              <a:t>“Standing on the Promises”</a:t>
+            </a:r>
+            <a:endParaRPr lang="en-US" sz="4800" dirty="0">
+              <a:solidFill>
+                <a:schemeClr val="bg1"/>
+              </a:solidFill>
+            </a:endParaRPr>
           </a:p>
         </p:txBody>
       </p:sp>
